--- a/기획/IntheGorest_홍수현_김명지_김혜주.pptx
+++ b/기획/IntheGorest_홍수현_김명지_김혜주.pptx
@@ -224,7 +224,7 @@
           <a:p>
             <a:fld id="{F2E2AD1A-6098-43F1-BB24-5C2DC778D264}" type="datetimeFigureOut">
               <a:rPr lang="ko-KR" altLang="en-US" smtClean="0"/>
-              <a:t>2015-12-21</a:t>
+              <a:t>2015-12-28</a:t>
             </a:fld>
             <a:endParaRPr lang="ko-KR" altLang="en-US"/>
           </a:p>
@@ -390,7 +390,7 @@
           <a:p>
             <a:fld id="{A86097EC-4AC3-4673-8F2F-4DA51993F33D}" type="datetimeFigureOut">
               <a:rPr lang="ko-KR" altLang="en-US" smtClean="0"/>
-              <a:t>2015-12-21</a:t>
+              <a:t>2015-12-28</a:t>
             </a:fld>
             <a:endParaRPr lang="ko-KR" altLang="en-US"/>
           </a:p>
@@ -1515,7 +1515,7 @@
           <a:p>
             <a:fld id="{1DD73AF9-AA55-4895-86FE-446A88AC1460}" type="datetime1">
               <a:rPr lang="ko-KR" altLang="en-US" smtClean="0"/>
-              <a:t>2015-12-21</a:t>
+              <a:t>2015-12-28</a:t>
             </a:fld>
             <a:endParaRPr lang="ko-KR" altLang="en-US"/>
           </a:p>
@@ -1685,7 +1685,7 @@
           <a:p>
             <a:fld id="{0F14AD95-0049-4356-A4D6-93168F022BB5}" type="datetime1">
               <a:rPr lang="ko-KR" altLang="en-US" smtClean="0"/>
-              <a:t>2015-12-21</a:t>
+              <a:t>2015-12-28</a:t>
             </a:fld>
             <a:endParaRPr lang="ko-KR" altLang="en-US"/>
           </a:p>
@@ -1865,7 +1865,7 @@
           <a:p>
             <a:fld id="{4D18E3C4-B4E6-4623-9CC4-331555CCE7E9}" type="datetime1">
               <a:rPr lang="ko-KR" altLang="en-US" smtClean="0"/>
-              <a:t>2015-12-21</a:t>
+              <a:t>2015-12-28</a:t>
             </a:fld>
             <a:endParaRPr lang="ko-KR" altLang="en-US"/>
           </a:p>
@@ -2035,7 +2035,7 @@
           <a:p>
             <a:fld id="{AC996617-AA5A-478F-B668-E314EF290A00}" type="datetime1">
               <a:rPr lang="ko-KR" altLang="en-US" smtClean="0"/>
-              <a:t>2015-12-21</a:t>
+              <a:t>2015-12-28</a:t>
             </a:fld>
             <a:endParaRPr lang="ko-KR" altLang="en-US"/>
           </a:p>
@@ -2281,7 +2281,7 @@
           <a:p>
             <a:fld id="{AF9672B0-2E6A-44FF-967C-4FC035D5EB28}" type="datetime1">
               <a:rPr lang="ko-KR" altLang="en-US" smtClean="0"/>
-              <a:t>2015-12-21</a:t>
+              <a:t>2015-12-28</a:t>
             </a:fld>
             <a:endParaRPr lang="ko-KR" altLang="en-US"/>
           </a:p>
@@ -2569,7 +2569,7 @@
           <a:p>
             <a:fld id="{7775A9E4-92E6-4B59-B891-859A20AEA723}" type="datetime1">
               <a:rPr lang="ko-KR" altLang="en-US" smtClean="0"/>
-              <a:t>2015-12-21</a:t>
+              <a:t>2015-12-28</a:t>
             </a:fld>
             <a:endParaRPr lang="ko-KR" altLang="en-US"/>
           </a:p>
@@ -2991,7 +2991,7 @@
           <a:p>
             <a:fld id="{D5C78A64-32E4-4247-83DF-690668B59843}" type="datetime1">
               <a:rPr lang="ko-KR" altLang="en-US" smtClean="0"/>
-              <a:t>2015-12-21</a:t>
+              <a:t>2015-12-28</a:t>
             </a:fld>
             <a:endParaRPr lang="ko-KR" altLang="en-US"/>
           </a:p>
@@ -3109,7 +3109,7 @@
           <a:p>
             <a:fld id="{4AC12DC6-52EC-4695-B0AE-3E06C5D391C6}" type="datetime1">
               <a:rPr lang="ko-KR" altLang="en-US" smtClean="0"/>
-              <a:t>2015-12-21</a:t>
+              <a:t>2015-12-28</a:t>
             </a:fld>
             <a:endParaRPr lang="ko-KR" altLang="en-US"/>
           </a:p>
@@ -3204,7 +3204,7 @@
           <a:p>
             <a:fld id="{E13960C5-EEB9-4399-9B89-B68C0671C393}" type="datetime1">
               <a:rPr lang="ko-KR" altLang="en-US" smtClean="0"/>
-              <a:t>2015-12-21</a:t>
+              <a:t>2015-12-28</a:t>
             </a:fld>
             <a:endParaRPr lang="ko-KR" altLang="en-US"/>
           </a:p>
@@ -3481,7 +3481,7 @@
           <a:p>
             <a:fld id="{825E0DA3-3BF3-45A6-9EB9-65B5F9F52CD5}" type="datetime1">
               <a:rPr lang="ko-KR" altLang="en-US" smtClean="0"/>
-              <a:t>2015-12-21</a:t>
+              <a:t>2015-12-28</a:t>
             </a:fld>
             <a:endParaRPr lang="ko-KR" altLang="en-US"/>
           </a:p>
@@ -3734,7 +3734,7 @@
           <a:p>
             <a:fld id="{8CCD2244-6A4C-4108-81AF-7415BD660367}" type="datetime1">
               <a:rPr lang="ko-KR" altLang="en-US" smtClean="0"/>
-              <a:t>2015-12-21</a:t>
+              <a:t>2015-12-28</a:t>
             </a:fld>
             <a:endParaRPr lang="ko-KR" altLang="en-US"/>
           </a:p>
@@ -3956,7 +3956,7 @@
           <a:p>
             <a:fld id="{A2DDAEFD-6725-438A-82EA-562B54E3D597}" type="datetime1">
               <a:rPr lang="ko-KR" altLang="en-US" smtClean="0"/>
-              <a:t>2015-12-21</a:t>
+              <a:t>2015-12-28</a:t>
             </a:fld>
             <a:endParaRPr lang="ko-KR" altLang="en-US"/>
           </a:p>
@@ -7654,14 +7654,14 @@
           <p:nvPr>
             <p:extLst>
               <p:ext uri="{D42A27DB-BD31-4B8C-83A1-F6EECF244321}">
-                <p14:modId xmlns:p14="http://schemas.microsoft.com/office/powerpoint/2010/main" val="3391458045"/>
+                <p14:modId xmlns:p14="http://schemas.microsoft.com/office/powerpoint/2010/main" val="735138243"/>
               </p:ext>
             </p:extLst>
           </p:nvPr>
         </p:nvGraphicFramePr>
         <p:xfrm>
           <a:off x="1079613" y="1923678"/>
-          <a:ext cx="6984774" cy="2712720"/>
+          <a:ext cx="6984774" cy="2407920"/>
         </p:xfrm>
         <a:graphic>
           <a:graphicData uri="http://schemas.openxmlformats.org/drawingml/2006/table">
@@ -7956,7 +7956,14 @@
                       </a:endParaRPr>
                     </a:p>
                   </a:txBody>
-                  <a:tcPr/>
+                  <a:tcPr>
+                    <a:solidFill>
+                      <a:schemeClr val="accent1">
+                        <a:lumMod val="60000"/>
+                        <a:lumOff val="40000"/>
+                      </a:schemeClr>
+                    </a:solidFill>
+                  </a:tcPr>
                 </a:tc>
                 <a:tc>
                   <a:txBody>
@@ -8108,21 +8115,35 @@
                       </a:endParaRPr>
                     </a:p>
                   </a:txBody>
-                  <a:tcPr/>
-                </a:tc>
-                <a:tc>
-                  <a:txBody>
-                    <a:bodyPr/>
-                    <a:lstStyle/>
-                    <a:p>
-                      <a:pPr algn="ctr" latinLnBrk="1"/>
-                      <a:endParaRPr lang="ko-KR" altLang="en-US" sz="1400" b="1" dirty="0">
-                        <a:latin typeface="+mn-ea"/>
-                        <a:ea typeface="+mn-ea"/>
-                      </a:endParaRPr>
-                    </a:p>
-                  </a:txBody>
-                  <a:tcPr/>
+                  <a:tcPr>
+                    <a:solidFill>
+                      <a:schemeClr val="accent1">
+                        <a:lumMod val="60000"/>
+                        <a:lumOff val="40000"/>
+                      </a:schemeClr>
+                    </a:solidFill>
+                  </a:tcPr>
+                </a:tc>
+                <a:tc>
+                  <a:txBody>
+                    <a:bodyPr/>
+                    <a:lstStyle/>
+                    <a:p>
+                      <a:pPr algn="ctr" latinLnBrk="1"/>
+                      <a:endParaRPr lang="ko-KR" altLang="en-US" sz="1400" b="1" dirty="0">
+                        <a:latin typeface="+mn-ea"/>
+                        <a:ea typeface="+mn-ea"/>
+                      </a:endParaRPr>
+                    </a:p>
+                  </a:txBody>
+                  <a:tcPr>
+                    <a:solidFill>
+                      <a:schemeClr val="accent1">
+                        <a:lumMod val="60000"/>
+                        <a:lumOff val="40000"/>
+                      </a:schemeClr>
+                    </a:solidFill>
+                  </a:tcPr>
                 </a:tc>
                 <a:tc>
                   <a:txBody>
@@ -8268,21 +8289,35 @@
                       </a:endParaRPr>
                     </a:p>
                   </a:txBody>
-                  <a:tcPr/>
-                </a:tc>
-                <a:tc>
-                  <a:txBody>
-                    <a:bodyPr/>
-                    <a:lstStyle/>
-                    <a:p>
-                      <a:pPr algn="ctr" latinLnBrk="1"/>
-                      <a:endParaRPr lang="ko-KR" altLang="en-US" sz="1400" b="1" dirty="0">
-                        <a:latin typeface="+mn-ea"/>
-                        <a:ea typeface="+mn-ea"/>
-                      </a:endParaRPr>
-                    </a:p>
-                  </a:txBody>
-                  <a:tcPr/>
+                  <a:tcPr>
+                    <a:solidFill>
+                      <a:schemeClr val="accent1">
+                        <a:lumMod val="60000"/>
+                        <a:lumOff val="40000"/>
+                      </a:schemeClr>
+                    </a:solidFill>
+                  </a:tcPr>
+                </a:tc>
+                <a:tc>
+                  <a:txBody>
+                    <a:bodyPr/>
+                    <a:lstStyle/>
+                    <a:p>
+                      <a:pPr algn="ctr" latinLnBrk="1"/>
+                      <a:endParaRPr lang="ko-KR" altLang="en-US" sz="1400" b="1" dirty="0">
+                        <a:latin typeface="+mn-ea"/>
+                        <a:ea typeface="+mn-ea"/>
+                      </a:endParaRPr>
+                    </a:p>
+                  </a:txBody>
+                  <a:tcPr>
+                    <a:solidFill>
+                      <a:schemeClr val="accent1">
+                        <a:lumMod val="60000"/>
+                        <a:lumOff val="40000"/>
+                      </a:schemeClr>
+                    </a:solidFill>
+                  </a:tcPr>
                 </a:tc>
                 <a:tc>
                   <a:txBody>
@@ -8442,21 +8477,35 @@
                       </a:endParaRPr>
                     </a:p>
                   </a:txBody>
-                  <a:tcPr/>
-                </a:tc>
-                <a:tc>
-                  <a:txBody>
-                    <a:bodyPr/>
-                    <a:lstStyle/>
-                    <a:p>
-                      <a:pPr algn="ctr" latinLnBrk="1"/>
-                      <a:endParaRPr lang="ko-KR" altLang="en-US" sz="1400" b="1" dirty="0">
-                        <a:latin typeface="+mn-ea"/>
-                        <a:ea typeface="+mn-ea"/>
-                      </a:endParaRPr>
-                    </a:p>
-                  </a:txBody>
-                  <a:tcPr/>
+                  <a:tcPr>
+                    <a:solidFill>
+                      <a:schemeClr val="accent1">
+                        <a:lumMod val="60000"/>
+                        <a:lumOff val="40000"/>
+                      </a:schemeClr>
+                    </a:solidFill>
+                  </a:tcPr>
+                </a:tc>
+                <a:tc>
+                  <a:txBody>
+                    <a:bodyPr/>
+                    <a:lstStyle/>
+                    <a:p>
+                      <a:pPr algn="ctr" latinLnBrk="1"/>
+                      <a:endParaRPr lang="ko-KR" altLang="en-US" sz="1400" b="1" dirty="0">
+                        <a:latin typeface="+mn-ea"/>
+                        <a:ea typeface="+mn-ea"/>
+                      </a:endParaRPr>
+                    </a:p>
+                  </a:txBody>
+                  <a:tcPr>
+                    <a:solidFill>
+                      <a:schemeClr val="accent1">
+                        <a:lumMod val="60000"/>
+                        <a:lumOff val="40000"/>
+                      </a:schemeClr>
+                    </a:solidFill>
+                  </a:tcPr>
                 </a:tc>
                 <a:tc>
                   <a:txBody>
@@ -8616,35 +8665,56 @@
                       </a:endParaRPr>
                     </a:p>
                   </a:txBody>
-                  <a:tcPr/>
-                </a:tc>
-                <a:tc>
-                  <a:txBody>
-                    <a:bodyPr/>
-                    <a:lstStyle/>
-                    <a:p>
-                      <a:pPr algn="ctr" latinLnBrk="1"/>
-                      <a:endParaRPr lang="ko-KR" altLang="en-US" sz="1400" b="1" dirty="0">
-                        <a:latin typeface="+mn-ea"/>
-                        <a:ea typeface="+mn-ea"/>
-                      </a:endParaRPr>
-                    </a:p>
-                  </a:txBody>
-                  <a:tcPr/>
-                </a:tc>
-                <a:tc>
-                  <a:txBody>
-                    <a:bodyPr/>
-                    <a:lstStyle/>
-                    <a:p>
-                      <a:pPr algn="ctr" latinLnBrk="1"/>
-                      <a:endParaRPr lang="ko-KR" altLang="en-US" sz="1400" b="1" dirty="0">
-                        <a:latin typeface="+mn-ea"/>
-                        <a:ea typeface="+mn-ea"/>
-                      </a:endParaRPr>
-                    </a:p>
-                  </a:txBody>
-                  <a:tcPr/>
+                  <a:tcPr>
+                    <a:solidFill>
+                      <a:schemeClr val="accent1">
+                        <a:lumMod val="60000"/>
+                        <a:lumOff val="40000"/>
+                      </a:schemeClr>
+                    </a:solidFill>
+                  </a:tcPr>
+                </a:tc>
+                <a:tc>
+                  <a:txBody>
+                    <a:bodyPr/>
+                    <a:lstStyle/>
+                    <a:p>
+                      <a:pPr algn="ctr" latinLnBrk="1"/>
+                      <a:endParaRPr lang="ko-KR" altLang="en-US" sz="1400" b="1" dirty="0">
+                        <a:latin typeface="+mn-ea"/>
+                        <a:ea typeface="+mn-ea"/>
+                      </a:endParaRPr>
+                    </a:p>
+                  </a:txBody>
+                  <a:tcPr>
+                    <a:solidFill>
+                      <a:schemeClr val="accent1">
+                        <a:lumMod val="60000"/>
+                        <a:lumOff val="40000"/>
+                      </a:schemeClr>
+                    </a:solidFill>
+                  </a:tcPr>
+                </a:tc>
+                <a:tc>
+                  <a:txBody>
+                    <a:bodyPr/>
+                    <a:lstStyle/>
+                    <a:p>
+                      <a:pPr algn="ctr" latinLnBrk="1"/>
+                      <a:endParaRPr lang="ko-KR" altLang="en-US" sz="1400" b="1" dirty="0">
+                        <a:latin typeface="+mn-ea"/>
+                        <a:ea typeface="+mn-ea"/>
+                      </a:endParaRPr>
+                    </a:p>
+                  </a:txBody>
+                  <a:tcPr>
+                    <a:solidFill>
+                      <a:schemeClr val="accent1">
+                        <a:lumMod val="60000"/>
+                        <a:lumOff val="40000"/>
+                      </a:schemeClr>
+                    </a:solidFill>
+                  </a:tcPr>
                 </a:tc>
                 <a:tc>
                   <a:txBody>
@@ -8796,21 +8866,35 @@
                       </a:endParaRPr>
                     </a:p>
                   </a:txBody>
-                  <a:tcPr/>
-                </a:tc>
-                <a:tc>
-                  <a:txBody>
-                    <a:bodyPr/>
-                    <a:lstStyle/>
-                    <a:p>
-                      <a:pPr algn="ctr" latinLnBrk="1"/>
-                      <a:endParaRPr lang="ko-KR" altLang="en-US" sz="1400" b="1" dirty="0">
-                        <a:latin typeface="+mn-ea"/>
-                        <a:ea typeface="+mn-ea"/>
-                      </a:endParaRPr>
-                    </a:p>
-                  </a:txBody>
-                  <a:tcPr/>
+                  <a:tcPr>
+                    <a:solidFill>
+                      <a:schemeClr val="accent1">
+                        <a:lumMod val="60000"/>
+                        <a:lumOff val="40000"/>
+                      </a:schemeClr>
+                    </a:solidFill>
+                  </a:tcPr>
+                </a:tc>
+                <a:tc>
+                  <a:txBody>
+                    <a:bodyPr/>
+                    <a:lstStyle/>
+                    <a:p>
+                      <a:pPr algn="ctr" latinLnBrk="1"/>
+                      <a:endParaRPr lang="ko-KR" altLang="en-US" sz="1400" b="1" dirty="0">
+                        <a:latin typeface="+mn-ea"/>
+                        <a:ea typeface="+mn-ea"/>
+                      </a:endParaRPr>
+                    </a:p>
+                  </a:txBody>
+                  <a:tcPr>
+                    <a:solidFill>
+                      <a:schemeClr val="accent1">
+                        <a:lumMod val="60000"/>
+                        <a:lumOff val="40000"/>
+                      </a:schemeClr>
+                    </a:solidFill>
+                  </a:tcPr>
                 </a:tc>
                 <a:tc>
                   <a:txBody>
@@ -8976,187 +9060,56 @@
                       </a:endParaRPr>
                     </a:p>
                   </a:txBody>
-                  <a:tcPr/>
-                </a:tc>
-                <a:tc>
-                  <a:txBody>
-                    <a:bodyPr/>
-                    <a:lstStyle/>
-                    <a:p>
-                      <a:pPr algn="ctr" latinLnBrk="1"/>
-                      <a:endParaRPr lang="ko-KR" altLang="en-US" sz="1400" b="1" dirty="0">
-                        <a:latin typeface="+mn-ea"/>
-                        <a:ea typeface="+mn-ea"/>
-                      </a:endParaRPr>
-                    </a:p>
-                  </a:txBody>
-                  <a:tcPr/>
-                </a:tc>
-                <a:tc>
-                  <a:txBody>
-                    <a:bodyPr/>
-                    <a:lstStyle/>
-                    <a:p>
-                      <a:pPr algn="ctr" latinLnBrk="1"/>
-                      <a:endParaRPr lang="ko-KR" altLang="en-US" sz="1400" b="1" dirty="0">
-                        <a:latin typeface="+mn-ea"/>
-                        <a:ea typeface="+mn-ea"/>
-                      </a:endParaRPr>
-                    </a:p>
-                  </a:txBody>
-                  <a:tcPr/>
-                </a:tc>
-              </a:tr>
-              <a:tr h="240027">
-                <a:tc>
-                  <a:txBody>
-                    <a:bodyPr/>
-                    <a:lstStyle/>
-                    <a:p>
-                      <a:pPr algn="ctr" latinLnBrk="1"/>
-                      <a:r>
-                        <a:rPr lang="ko-KR" altLang="en-US" sz="1200" dirty="0" err="1" smtClean="0"/>
-                        <a:t>쉐이더</a:t>
-                      </a:r>
-                      <a:endParaRPr lang="ko-KR" altLang="en-US" sz="1200" b="1" dirty="0">
-                        <a:solidFill>
-                          <a:schemeClr val="tx1">
-                            <a:lumMod val="75000"/>
-                            <a:lumOff val="25000"/>
-                          </a:schemeClr>
-                        </a:solidFill>
-                        <a:latin typeface="+mn-ea"/>
-                        <a:ea typeface="+mn-ea"/>
-                      </a:endParaRPr>
-                    </a:p>
-                  </a:txBody>
-                  <a:tcPr/>
-                </a:tc>
-                <a:tc>
-                  <a:txBody>
-                    <a:bodyPr/>
-                    <a:lstStyle/>
-                    <a:p>
-                      <a:pPr algn="ctr" latinLnBrk="1"/>
-                      <a:endParaRPr lang="ko-KR" altLang="en-US" sz="1400" b="1" dirty="0">
-                        <a:latin typeface="+mn-ea"/>
-                        <a:ea typeface="+mn-ea"/>
-                      </a:endParaRPr>
-                    </a:p>
-                  </a:txBody>
-                  <a:tcPr/>
-                </a:tc>
-                <a:tc>
-                  <a:txBody>
-                    <a:bodyPr/>
-                    <a:lstStyle/>
-                    <a:p>
-                      <a:pPr algn="ctr" latinLnBrk="1"/>
-                      <a:endParaRPr lang="ko-KR" altLang="en-US" sz="1400" b="1" dirty="0">
-                        <a:latin typeface="+mn-ea"/>
-                        <a:ea typeface="+mn-ea"/>
-                      </a:endParaRPr>
-                    </a:p>
-                  </a:txBody>
-                  <a:tcPr/>
-                </a:tc>
-                <a:tc>
-                  <a:txBody>
-                    <a:bodyPr/>
-                    <a:lstStyle/>
-                    <a:p>
-                      <a:pPr algn="ctr" latinLnBrk="1"/>
-                      <a:endParaRPr lang="ko-KR" altLang="en-US" sz="1400" b="1" dirty="0">
-                        <a:latin typeface="+mn-ea"/>
-                        <a:ea typeface="+mn-ea"/>
-                      </a:endParaRPr>
-                    </a:p>
-                  </a:txBody>
-                  <a:tcPr/>
-                </a:tc>
-                <a:tc>
-                  <a:txBody>
-                    <a:bodyPr/>
-                    <a:lstStyle/>
-                    <a:p>
-                      <a:pPr algn="ctr" latinLnBrk="1"/>
-                      <a:endParaRPr lang="ko-KR" altLang="en-US" sz="1400" b="1" dirty="0">
-                        <a:latin typeface="+mn-ea"/>
-                        <a:ea typeface="+mn-ea"/>
-                      </a:endParaRPr>
-                    </a:p>
-                  </a:txBody>
-                  <a:tcPr/>
-                </a:tc>
-                <a:tc>
-                  <a:txBody>
-                    <a:bodyPr/>
-                    <a:lstStyle/>
-                    <a:p>
-                      <a:pPr algn="ctr" latinLnBrk="1"/>
-                      <a:endParaRPr lang="ko-KR" altLang="en-US" sz="1400" b="1" dirty="0">
-                        <a:latin typeface="+mn-ea"/>
-                        <a:ea typeface="+mn-ea"/>
-                      </a:endParaRPr>
-                    </a:p>
-                  </a:txBody>
-                  <a:tcPr/>
-                </a:tc>
-                <a:tc>
-                  <a:txBody>
-                    <a:bodyPr/>
-                    <a:lstStyle/>
-                    <a:p>
-                      <a:pPr algn="ctr" latinLnBrk="1"/>
-                      <a:endParaRPr lang="ko-KR" altLang="en-US" sz="1400" b="1" dirty="0">
-                        <a:latin typeface="+mn-ea"/>
-                        <a:ea typeface="+mn-ea"/>
-                      </a:endParaRPr>
-                    </a:p>
-                  </a:txBody>
-                  <a:tcPr/>
-                </a:tc>
-                <a:tc>
-                  <a:txBody>
-                    <a:bodyPr/>
-                    <a:lstStyle/>
-                    <a:p>
-                      <a:pPr algn="ctr" latinLnBrk="1"/>
-                      <a:endParaRPr lang="ko-KR" altLang="en-US" sz="1400" b="1" dirty="0">
-                        <a:latin typeface="+mn-ea"/>
-                        <a:ea typeface="+mn-ea"/>
-                      </a:endParaRPr>
-                    </a:p>
-                  </a:txBody>
-                  <a:tcPr/>
-                </a:tc>
-                <a:tc>
-                  <a:txBody>
-                    <a:bodyPr/>
-                    <a:lstStyle/>
-                    <a:p>
-                      <a:pPr algn="ctr" latinLnBrk="1"/>
-                      <a:endParaRPr lang="ko-KR" altLang="en-US" sz="1400" b="1" dirty="0">
-                        <a:latin typeface="+mn-ea"/>
-                        <a:ea typeface="+mn-ea"/>
-                      </a:endParaRPr>
-                    </a:p>
-                  </a:txBody>
-                  <a:tcPr/>
-                </a:tc>
-                <a:tc>
-                  <a:txBody>
-                    <a:bodyPr/>
-                    <a:lstStyle/>
-                    <a:p>
-                      <a:pPr algn="ctr" latinLnBrk="1"/>
-                      <a:endParaRPr lang="ko-KR" altLang="en-US" sz="1400" b="1" dirty="0">
-                        <a:latin typeface="+mn-ea"/>
-                        <a:ea typeface="+mn-ea"/>
-                      </a:endParaRPr>
-                    </a:p>
-                  </a:txBody>
-                  <a:tcPr/>
+                  <a:tcPr>
+                    <a:solidFill>
+                      <a:schemeClr val="accent1">
+                        <a:lumMod val="60000"/>
+                        <a:lumOff val="40000"/>
+                      </a:schemeClr>
+                    </a:solidFill>
+                  </a:tcPr>
+                </a:tc>
+                <a:tc>
+                  <a:txBody>
+                    <a:bodyPr/>
+                    <a:lstStyle/>
+                    <a:p>
+                      <a:pPr algn="ctr" latinLnBrk="1"/>
+                      <a:endParaRPr lang="ko-KR" altLang="en-US" sz="1400" b="1" dirty="0">
+                        <a:latin typeface="+mn-ea"/>
+                        <a:ea typeface="+mn-ea"/>
+                      </a:endParaRPr>
+                    </a:p>
+                  </a:txBody>
+                  <a:tcPr>
+                    <a:solidFill>
+                      <a:schemeClr val="accent1">
+                        <a:lumMod val="60000"/>
+                        <a:lumOff val="40000"/>
+                      </a:schemeClr>
+                    </a:solidFill>
+                  </a:tcPr>
+                </a:tc>
+                <a:tc>
+                  <a:txBody>
+                    <a:bodyPr/>
+                    <a:lstStyle/>
+                    <a:p>
+                      <a:pPr algn="ctr" latinLnBrk="1"/>
+                      <a:endParaRPr lang="ko-KR" altLang="en-US" sz="1400" b="1" dirty="0">
+                        <a:latin typeface="+mn-ea"/>
+                        <a:ea typeface="+mn-ea"/>
+                      </a:endParaRPr>
+                    </a:p>
+                  </a:txBody>
+                  <a:tcPr>
+                    <a:solidFill>
+                      <a:schemeClr val="accent1">
+                        <a:lumMod val="60000"/>
+                        <a:lumOff val="40000"/>
+                      </a:schemeClr>
+                    </a:solidFill>
+                  </a:tcPr>
                 </a:tc>
               </a:tr>
             </a:tbl>
@@ -9515,14 +9468,14 @@
           <p:nvPr>
             <p:extLst>
               <p:ext uri="{D42A27DB-BD31-4B8C-83A1-F6EECF244321}">
-                <p14:modId xmlns:p14="http://schemas.microsoft.com/office/powerpoint/2010/main" val="1775305568"/>
+                <p14:modId xmlns:p14="http://schemas.microsoft.com/office/powerpoint/2010/main" val="3539273432"/>
               </p:ext>
             </p:extLst>
           </p:nvPr>
         </p:nvGraphicFramePr>
         <p:xfrm>
           <a:off x="1079613" y="1923678"/>
-          <a:ext cx="6984774" cy="2103120"/>
+          <a:ext cx="6984774" cy="2764622"/>
         </p:xfrm>
         <a:graphic>
           <a:graphicData uri="http://schemas.openxmlformats.org/drawingml/2006/table">
@@ -9542,7 +9495,7 @@
                 <a:gridCol w="374792"/>
                 <a:gridCol w="374792"/>
               </a:tblGrid>
-              <a:tr h="216024">
+              <a:tr h="328732">
                 <a:tc>
                   <a:txBody>
                     <a:bodyPr/>
@@ -9780,7 +9733,7 @@
                   <a:tcPr/>
                 </a:tc>
               </a:tr>
-              <a:tr h="240027">
+              <a:tr h="365258">
                 <a:tc>
                   <a:txBody>
                     <a:bodyPr/>
@@ -9817,7 +9770,14 @@
                       </a:endParaRPr>
                     </a:p>
                   </a:txBody>
-                  <a:tcPr/>
+                  <a:tcPr>
+                    <a:solidFill>
+                      <a:schemeClr val="accent1">
+                        <a:lumMod val="60000"/>
+                        <a:lumOff val="40000"/>
+                      </a:schemeClr>
+                    </a:solidFill>
+                  </a:tcPr>
                 </a:tc>
                 <a:tc>
                   <a:txBody>
@@ -9932,7 +9892,7 @@
                   <a:tcPr/>
                 </a:tc>
               </a:tr>
-              <a:tr h="240027">
+              <a:tr h="365258">
                 <a:tc>
                   <a:txBody>
                     <a:bodyPr/>
@@ -9977,21 +9937,35 @@
                       </a:endParaRPr>
                     </a:p>
                   </a:txBody>
-                  <a:tcPr/>
-                </a:tc>
-                <a:tc>
-                  <a:txBody>
-                    <a:bodyPr/>
-                    <a:lstStyle/>
-                    <a:p>
-                      <a:pPr algn="ctr" latinLnBrk="1"/>
-                      <a:endParaRPr lang="ko-KR" altLang="en-US" sz="1400" b="1" dirty="0">
-                        <a:latin typeface="+mn-ea"/>
-                        <a:ea typeface="+mn-ea"/>
-                      </a:endParaRPr>
-                    </a:p>
-                  </a:txBody>
-                  <a:tcPr/>
+                  <a:tcPr>
+                    <a:solidFill>
+                      <a:schemeClr val="accent1">
+                        <a:lumMod val="60000"/>
+                        <a:lumOff val="40000"/>
+                      </a:schemeClr>
+                    </a:solidFill>
+                  </a:tcPr>
+                </a:tc>
+                <a:tc>
+                  <a:txBody>
+                    <a:bodyPr/>
+                    <a:lstStyle/>
+                    <a:p>
+                      <a:pPr algn="ctr" latinLnBrk="1"/>
+                      <a:endParaRPr lang="ko-KR" altLang="en-US" sz="1400" b="1" dirty="0">
+                        <a:latin typeface="+mn-ea"/>
+                        <a:ea typeface="+mn-ea"/>
+                      </a:endParaRPr>
+                    </a:p>
+                  </a:txBody>
+                  <a:tcPr>
+                    <a:solidFill>
+                      <a:schemeClr val="accent1">
+                        <a:lumMod val="60000"/>
+                        <a:lumOff val="40000"/>
+                      </a:schemeClr>
+                    </a:solidFill>
+                  </a:tcPr>
                 </a:tc>
                 <a:tc>
                   <a:txBody>
@@ -10092,7 +10066,7 @@
                   <a:tcPr/>
                 </a:tc>
               </a:tr>
-              <a:tr h="240027">
+              <a:tr h="365258">
                 <a:tc>
                   <a:txBody>
                     <a:bodyPr/>
@@ -10147,21 +10121,35 @@
                       </a:endParaRPr>
                     </a:p>
                   </a:txBody>
-                  <a:tcPr/>
-                </a:tc>
-                <a:tc>
-                  <a:txBody>
-                    <a:bodyPr/>
-                    <a:lstStyle/>
-                    <a:p>
-                      <a:pPr algn="ctr" latinLnBrk="1"/>
-                      <a:endParaRPr lang="ko-KR" altLang="en-US" sz="1400" b="1" dirty="0">
-                        <a:latin typeface="+mn-ea"/>
-                        <a:ea typeface="+mn-ea"/>
-                      </a:endParaRPr>
-                    </a:p>
-                  </a:txBody>
-                  <a:tcPr/>
+                  <a:tcPr>
+                    <a:solidFill>
+                      <a:schemeClr val="accent1">
+                        <a:lumMod val="60000"/>
+                        <a:lumOff val="40000"/>
+                      </a:schemeClr>
+                    </a:solidFill>
+                  </a:tcPr>
+                </a:tc>
+                <a:tc>
+                  <a:txBody>
+                    <a:bodyPr/>
+                    <a:lstStyle/>
+                    <a:p>
+                      <a:pPr algn="ctr" latinLnBrk="1"/>
+                      <a:endParaRPr lang="ko-KR" altLang="en-US" sz="1400" b="1" dirty="0">
+                        <a:latin typeface="+mn-ea"/>
+                        <a:ea typeface="+mn-ea"/>
+                      </a:endParaRPr>
+                    </a:p>
+                  </a:txBody>
+                  <a:tcPr>
+                    <a:solidFill>
+                      <a:schemeClr val="accent1">
+                        <a:lumMod val="60000"/>
+                        <a:lumOff val="40000"/>
+                      </a:schemeClr>
+                    </a:solidFill>
+                  </a:tcPr>
                 </a:tc>
                 <a:tc>
                   <a:txBody>
@@ -10248,7 +10236,7 @@
                   <a:tcPr/>
                 </a:tc>
               </a:tr>
-              <a:tr h="240027">
+              <a:tr h="365258">
                 <a:tc>
                   <a:txBody>
                     <a:bodyPr/>
@@ -10257,7 +10245,11 @@
                       <a:pPr algn="ctr" latinLnBrk="1"/>
                       <a:r>
                         <a:rPr lang="ko-KR" altLang="en-US" sz="1200" dirty="0" smtClean="0"/>
-                        <a:t>캐릭터 물리</a:t>
+                        <a:t>캐릭터 </a:t>
+                      </a:r>
+                      <a:r>
+                        <a:rPr lang="ko-KR" altLang="en-US" sz="1200" dirty="0" smtClean="0"/>
+                        <a:t>컨트롤러</a:t>
                       </a:r>
                       <a:endParaRPr lang="ko-KR" altLang="en-US" sz="1200" b="1" dirty="0">
                         <a:solidFill>
@@ -10313,35 +10305,56 @@
                       </a:endParaRPr>
                     </a:p>
                   </a:txBody>
-                  <a:tcPr/>
-                </a:tc>
-                <a:tc>
-                  <a:txBody>
-                    <a:bodyPr/>
-                    <a:lstStyle/>
-                    <a:p>
-                      <a:pPr algn="ctr" latinLnBrk="1"/>
-                      <a:endParaRPr lang="ko-KR" altLang="en-US" sz="1400" b="1" dirty="0">
-                        <a:latin typeface="+mn-ea"/>
-                        <a:ea typeface="+mn-ea"/>
-                      </a:endParaRPr>
-                    </a:p>
-                  </a:txBody>
-                  <a:tcPr/>
-                </a:tc>
-                <a:tc>
-                  <a:txBody>
-                    <a:bodyPr/>
-                    <a:lstStyle/>
-                    <a:p>
-                      <a:pPr algn="ctr" latinLnBrk="1"/>
-                      <a:endParaRPr lang="ko-KR" altLang="en-US" sz="1400" b="1" dirty="0">
-                        <a:latin typeface="+mn-ea"/>
-                        <a:ea typeface="+mn-ea"/>
-                      </a:endParaRPr>
-                    </a:p>
-                  </a:txBody>
-                  <a:tcPr/>
+                  <a:tcPr>
+                    <a:solidFill>
+                      <a:schemeClr val="accent1">
+                        <a:lumMod val="60000"/>
+                        <a:lumOff val="40000"/>
+                      </a:schemeClr>
+                    </a:solidFill>
+                  </a:tcPr>
+                </a:tc>
+                <a:tc>
+                  <a:txBody>
+                    <a:bodyPr/>
+                    <a:lstStyle/>
+                    <a:p>
+                      <a:pPr algn="ctr" latinLnBrk="1"/>
+                      <a:endParaRPr lang="ko-KR" altLang="en-US" sz="1400" b="1" dirty="0">
+                        <a:latin typeface="+mn-ea"/>
+                        <a:ea typeface="+mn-ea"/>
+                      </a:endParaRPr>
+                    </a:p>
+                  </a:txBody>
+                  <a:tcPr>
+                    <a:solidFill>
+                      <a:schemeClr val="accent1">
+                        <a:lumMod val="60000"/>
+                        <a:lumOff val="40000"/>
+                      </a:schemeClr>
+                    </a:solidFill>
+                  </a:tcPr>
+                </a:tc>
+                <a:tc>
+                  <a:txBody>
+                    <a:bodyPr/>
+                    <a:lstStyle/>
+                    <a:p>
+                      <a:pPr algn="ctr" latinLnBrk="1"/>
+                      <a:endParaRPr lang="ko-KR" altLang="en-US" sz="1400" b="1" dirty="0">
+                        <a:latin typeface="+mn-ea"/>
+                        <a:ea typeface="+mn-ea"/>
+                      </a:endParaRPr>
+                    </a:p>
+                  </a:txBody>
+                  <a:tcPr>
+                    <a:solidFill>
+                      <a:schemeClr val="accent1">
+                        <a:lumMod val="60000"/>
+                        <a:lumOff val="40000"/>
+                      </a:schemeClr>
+                    </a:solidFill>
+                  </a:tcPr>
                 </a:tc>
                 <a:tc>
                   <a:txBody>
@@ -10400,7 +10413,7 @@
                   <a:tcPr/>
                 </a:tc>
               </a:tr>
-              <a:tr h="240027">
+              <a:tr h="182629">
                 <a:tc>
                   <a:txBody>
                     <a:bodyPr/>
@@ -10493,21 +10506,35 @@
                       </a:endParaRPr>
                     </a:p>
                   </a:txBody>
-                  <a:tcPr/>
-                </a:tc>
-                <a:tc>
-                  <a:txBody>
-                    <a:bodyPr/>
-                    <a:lstStyle/>
-                    <a:p>
-                      <a:pPr algn="ctr" latinLnBrk="1"/>
-                      <a:endParaRPr lang="ko-KR" altLang="en-US" sz="1400" b="1" dirty="0">
-                        <a:latin typeface="+mn-ea"/>
-                        <a:ea typeface="+mn-ea"/>
-                      </a:endParaRPr>
-                    </a:p>
-                  </a:txBody>
-                  <a:tcPr/>
+                  <a:tcPr>
+                    <a:solidFill>
+                      <a:schemeClr val="accent1">
+                        <a:lumMod val="60000"/>
+                        <a:lumOff val="40000"/>
+                      </a:schemeClr>
+                    </a:solidFill>
+                  </a:tcPr>
+                </a:tc>
+                <a:tc>
+                  <a:txBody>
+                    <a:bodyPr/>
+                    <a:lstStyle/>
+                    <a:p>
+                      <a:pPr algn="ctr" latinLnBrk="1"/>
+                      <a:endParaRPr lang="ko-KR" altLang="en-US" sz="1400" b="1" dirty="0">
+                        <a:latin typeface="+mn-ea"/>
+                        <a:ea typeface="+mn-ea"/>
+                      </a:endParaRPr>
+                    </a:p>
+                  </a:txBody>
+                  <a:tcPr>
+                    <a:solidFill>
+                      <a:schemeClr val="accent1">
+                        <a:lumMod val="60000"/>
+                        <a:lumOff val="40000"/>
+                      </a:schemeClr>
+                    </a:solidFill>
+                  </a:tcPr>
                 </a:tc>
                 <a:tc>
                   <a:txBody>
@@ -10552,7 +10579,191 @@
                   <a:tcPr/>
                 </a:tc>
               </a:tr>
-              <a:tr h="240027">
+              <a:tr h="182629">
+                <a:tc>
+                  <a:txBody>
+                    <a:bodyPr/>
+                    <a:lstStyle/>
+                    <a:p>
+                      <a:pPr algn="ctr" latinLnBrk="1"/>
+                      <a:r>
+                        <a:rPr lang="ko-KR" altLang="en-US" sz="1200" b="1" dirty="0" smtClean="0">
+                          <a:solidFill>
+                            <a:schemeClr val="tx1">
+                              <a:lumMod val="75000"/>
+                              <a:lumOff val="25000"/>
+                            </a:schemeClr>
+                          </a:solidFill>
+                          <a:latin typeface="+mn-ea"/>
+                          <a:ea typeface="+mn-ea"/>
+                        </a:rPr>
+                        <a:t>애니메이션</a:t>
+                      </a:r>
+                      <a:endParaRPr lang="ko-KR" altLang="en-US" sz="1200" b="1" dirty="0">
+                        <a:solidFill>
+                          <a:schemeClr val="tx1">
+                            <a:lumMod val="75000"/>
+                            <a:lumOff val="25000"/>
+                          </a:schemeClr>
+                        </a:solidFill>
+                        <a:latin typeface="+mn-ea"/>
+                        <a:ea typeface="+mn-ea"/>
+                      </a:endParaRPr>
+                    </a:p>
+                  </a:txBody>
+                  <a:tcPr/>
+                </a:tc>
+                <a:tc>
+                  <a:txBody>
+                    <a:bodyPr/>
+                    <a:lstStyle/>
+                    <a:p>
+                      <a:pPr algn="ctr" latinLnBrk="1"/>
+                      <a:endParaRPr lang="ko-KR" altLang="en-US" sz="1400" b="1" dirty="0">
+                        <a:latin typeface="+mn-ea"/>
+                        <a:ea typeface="+mn-ea"/>
+                      </a:endParaRPr>
+                    </a:p>
+                  </a:txBody>
+                  <a:tcPr/>
+                </a:tc>
+                <a:tc>
+                  <a:txBody>
+                    <a:bodyPr/>
+                    <a:lstStyle/>
+                    <a:p>
+                      <a:pPr algn="ctr" latinLnBrk="1"/>
+                      <a:endParaRPr lang="ko-KR" altLang="en-US" sz="1400" b="1" dirty="0">
+                        <a:latin typeface="+mn-ea"/>
+                        <a:ea typeface="+mn-ea"/>
+                      </a:endParaRPr>
+                    </a:p>
+                  </a:txBody>
+                  <a:tcPr/>
+                </a:tc>
+                <a:tc>
+                  <a:txBody>
+                    <a:bodyPr/>
+                    <a:lstStyle/>
+                    <a:p>
+                      <a:pPr algn="ctr" latinLnBrk="1"/>
+                      <a:endParaRPr lang="ko-KR" altLang="en-US" sz="1400" b="1" dirty="0">
+                        <a:latin typeface="+mn-ea"/>
+                        <a:ea typeface="+mn-ea"/>
+                      </a:endParaRPr>
+                    </a:p>
+                  </a:txBody>
+                  <a:tcPr/>
+                </a:tc>
+                <a:tc>
+                  <a:txBody>
+                    <a:bodyPr/>
+                    <a:lstStyle/>
+                    <a:p>
+                      <a:pPr algn="ctr" latinLnBrk="1"/>
+                      <a:endParaRPr lang="ko-KR" altLang="en-US" sz="1400" b="1" dirty="0">
+                        <a:latin typeface="+mn-ea"/>
+                        <a:ea typeface="+mn-ea"/>
+                      </a:endParaRPr>
+                    </a:p>
+                  </a:txBody>
+                  <a:tcPr/>
+                </a:tc>
+                <a:tc>
+                  <a:txBody>
+                    <a:bodyPr/>
+                    <a:lstStyle/>
+                    <a:p>
+                      <a:pPr algn="ctr" latinLnBrk="1"/>
+                      <a:endParaRPr lang="ko-KR" altLang="en-US" sz="1400" b="1" dirty="0">
+                        <a:latin typeface="+mn-ea"/>
+                        <a:ea typeface="+mn-ea"/>
+                      </a:endParaRPr>
+                    </a:p>
+                  </a:txBody>
+                  <a:tcPr>
+                    <a:noFill/>
+                  </a:tcPr>
+                </a:tc>
+                <a:tc>
+                  <a:txBody>
+                    <a:bodyPr/>
+                    <a:lstStyle/>
+                    <a:p>
+                      <a:pPr algn="ctr" latinLnBrk="1"/>
+                      <a:endParaRPr lang="ko-KR" altLang="en-US" sz="1400" b="1" dirty="0">
+                        <a:latin typeface="+mn-ea"/>
+                        <a:ea typeface="+mn-ea"/>
+                      </a:endParaRPr>
+                    </a:p>
+                  </a:txBody>
+                  <a:tcPr>
+                    <a:solidFill>
+                      <a:schemeClr val="accent1">
+                        <a:lumMod val="60000"/>
+                        <a:lumOff val="40000"/>
+                      </a:schemeClr>
+                    </a:solidFill>
+                  </a:tcPr>
+                </a:tc>
+                <a:tc>
+                  <a:txBody>
+                    <a:bodyPr/>
+                    <a:lstStyle/>
+                    <a:p>
+                      <a:pPr algn="ctr" latinLnBrk="1"/>
+                      <a:endParaRPr lang="ko-KR" altLang="en-US" sz="1400" b="1" dirty="0">
+                        <a:latin typeface="+mn-ea"/>
+                        <a:ea typeface="+mn-ea"/>
+                      </a:endParaRPr>
+                    </a:p>
+                  </a:txBody>
+                  <a:tcPr>
+                    <a:solidFill>
+                      <a:schemeClr val="accent1">
+                        <a:lumMod val="60000"/>
+                        <a:lumOff val="40000"/>
+                      </a:schemeClr>
+                    </a:solidFill>
+                  </a:tcPr>
+                </a:tc>
+                <a:tc>
+                  <a:txBody>
+                    <a:bodyPr/>
+                    <a:lstStyle/>
+                    <a:p>
+                      <a:pPr algn="ctr" latinLnBrk="1"/>
+                      <a:endParaRPr lang="ko-KR" altLang="en-US" sz="1400" b="1" dirty="0">
+                        <a:latin typeface="+mn-ea"/>
+                        <a:ea typeface="+mn-ea"/>
+                      </a:endParaRPr>
+                    </a:p>
+                  </a:txBody>
+                  <a:tcPr>
+                    <a:solidFill>
+                      <a:schemeClr val="accent1">
+                        <a:lumMod val="60000"/>
+                        <a:lumOff val="40000"/>
+                      </a:schemeClr>
+                    </a:solidFill>
+                  </a:tcPr>
+                </a:tc>
+                <a:tc>
+                  <a:txBody>
+                    <a:bodyPr/>
+                    <a:lstStyle/>
+                    <a:p>
+                      <a:pPr algn="ctr" latinLnBrk="1"/>
+                      <a:endParaRPr lang="ko-KR" altLang="en-US" sz="1400" b="1" dirty="0">
+                        <a:latin typeface="+mn-ea"/>
+                        <a:ea typeface="+mn-ea"/>
+                      </a:endParaRPr>
+                    </a:p>
+                  </a:txBody>
+                  <a:tcPr/>
+                </a:tc>
+              </a:tr>
+              <a:tr h="365258">
                 <a:tc>
                   <a:txBody>
                     <a:bodyPr/>
@@ -10673,35 +10884,56 @@
                       </a:endParaRPr>
                     </a:p>
                   </a:txBody>
-                  <a:tcPr/>
-                </a:tc>
-                <a:tc>
-                  <a:txBody>
-                    <a:bodyPr/>
-                    <a:lstStyle/>
-                    <a:p>
-                      <a:pPr algn="ctr" latinLnBrk="1"/>
-                      <a:endParaRPr lang="ko-KR" altLang="en-US" sz="1400" b="1" dirty="0">
-                        <a:latin typeface="+mn-ea"/>
-                        <a:ea typeface="+mn-ea"/>
-                      </a:endParaRPr>
-                    </a:p>
-                  </a:txBody>
-                  <a:tcPr/>
-                </a:tc>
-                <a:tc>
-                  <a:txBody>
-                    <a:bodyPr/>
-                    <a:lstStyle/>
-                    <a:p>
-                      <a:pPr algn="ctr" latinLnBrk="1"/>
-                      <a:endParaRPr lang="ko-KR" altLang="en-US" sz="1400" b="1" dirty="0">
-                        <a:latin typeface="+mn-ea"/>
-                        <a:ea typeface="+mn-ea"/>
-                      </a:endParaRPr>
-                    </a:p>
-                  </a:txBody>
-                  <a:tcPr/>
+                  <a:tcPr>
+                    <a:solidFill>
+                      <a:schemeClr val="accent1">
+                        <a:lumMod val="60000"/>
+                        <a:lumOff val="40000"/>
+                      </a:schemeClr>
+                    </a:solidFill>
+                  </a:tcPr>
+                </a:tc>
+                <a:tc>
+                  <a:txBody>
+                    <a:bodyPr/>
+                    <a:lstStyle/>
+                    <a:p>
+                      <a:pPr algn="ctr" latinLnBrk="1"/>
+                      <a:endParaRPr lang="ko-KR" altLang="en-US" sz="1400" b="1" dirty="0">
+                        <a:latin typeface="+mn-ea"/>
+                        <a:ea typeface="+mn-ea"/>
+                      </a:endParaRPr>
+                    </a:p>
+                  </a:txBody>
+                  <a:tcPr>
+                    <a:solidFill>
+                      <a:schemeClr val="accent1">
+                        <a:lumMod val="60000"/>
+                        <a:lumOff val="40000"/>
+                      </a:schemeClr>
+                    </a:solidFill>
+                  </a:tcPr>
+                </a:tc>
+                <a:tc>
+                  <a:txBody>
+                    <a:bodyPr/>
+                    <a:lstStyle/>
+                    <a:p>
+                      <a:pPr algn="ctr" latinLnBrk="1"/>
+                      <a:endParaRPr lang="ko-KR" altLang="en-US" sz="1400" b="1" dirty="0">
+                        <a:latin typeface="+mn-ea"/>
+                        <a:ea typeface="+mn-ea"/>
+                      </a:endParaRPr>
+                    </a:p>
+                  </a:txBody>
+                  <a:tcPr>
+                    <a:solidFill>
+                      <a:schemeClr val="accent1">
+                        <a:lumMod val="60000"/>
+                        <a:lumOff val="40000"/>
+                      </a:schemeClr>
+                    </a:solidFill>
+                  </a:tcPr>
                 </a:tc>
               </a:tr>
             </a:tbl>
